--- a/project_report_22622.pptx
+++ b/project_report_22622.pptx
@@ -2852,7 +2852,7 @@
           <a:p>
             <a:fld id="{DE9C9613-CEC7-40B7-996D-8CE3F0BEDBE2}" type="datetimeFigureOut">
               <a:rPr lang="zh-TW" altLang="en-US" smtClean="0"/>
-              <a:t>2022/6/22</a:t>
+              <a:t>2022/7/8</a:t>
             </a:fld>
             <a:endParaRPr lang="zh-TW" altLang="en-US"/>
           </a:p>
@@ -3017,7 +3017,7 @@
           <a:p>
             <a:fld id="{65101391-C285-4AB5-9EFD-D43E186FC6DC}" type="datetimeFigureOut">
               <a:rPr lang="zh-TW" altLang="en-US" smtClean="0"/>
-              <a:t>2022/6/22</a:t>
+              <a:t>2022/7/8</a:t>
             </a:fld>
             <a:endParaRPr lang="zh-TW" altLang="en-US"/>
           </a:p>
@@ -3953,7 +3953,7 @@
           <a:p>
             <a:fld id="{344F5847-C33F-4A55-B95F-BE5702C06184}" type="datetimeFigureOut">
               <a:rPr lang="en-US" smtClean="0"/>
-              <a:t>6/22/2022</a:t>
+              <a:t>7/8/2022</a:t>
             </a:fld>
             <a:endParaRPr lang="en-US"/>
           </a:p>
@@ -7191,6 +7191,36 @@
           </a:p>
         </p:txBody>
       </p:sp>
+      <p:pic>
+        <p:nvPicPr>
+          <p:cNvPr id="6" name="Picture 5">
+            <a:extLst>
+              <a:ext uri="{FF2B5EF4-FFF2-40B4-BE49-F238E27FC236}">
+                <a16:creationId xmlns:a16="http://schemas.microsoft.com/office/drawing/2014/main" id="{A866C9F0-75B8-90D3-38B3-E80C220ECB38}"/>
+              </a:ext>
+            </a:extLst>
+          </p:cNvPr>
+          <p:cNvPicPr>
+            <a:picLocks noChangeAspect="1"/>
+          </p:cNvPicPr>
+          <p:nvPr/>
+        </p:nvPicPr>
+        <p:blipFill>
+          <a:blip r:embed="rId3"/>
+          <a:stretch>
+            <a:fillRect/>
+          </a:stretch>
+        </p:blipFill>
+        <p:spPr>
+          <a:xfrm>
+            <a:off x="1110558" y="2102784"/>
+            <a:ext cx="3055844" cy="3749399"/>
+          </a:xfrm>
+          <a:prstGeom prst="rect">
+            <a:avLst/>
+          </a:prstGeom>
+        </p:spPr>
+      </p:pic>
     </p:spTree>
     <p:extLst>
       <p:ext uri="{BB962C8B-B14F-4D97-AF65-F5344CB8AC3E}">
